--- a/CSEDU2025/Presentation.pptx
+++ b/CSEDU2025/Presentation.pptx
@@ -9,6 +9,7 @@
     <p:sldId id="256" r:id="rId3"/>
     <p:sldId id="261" r:id="rId4"/>
     <p:sldId id="260" r:id="rId5"/>
+    <p:sldId id="262" r:id="rId6"/>
   </p:sldIdLst>
   <p:sldSz cx="12192000" cy="6858000"/>
   <p:notesSz cx="6858000" cy="9144000"/>
@@ -107,6 +108,11 @@
       </a:defRPr>
     </a:lvl9pPr>
   </p:defaultTextStyle>
+  <p:extLst>
+    <p:ext uri="{EFAFB233-063F-42B5-8137-9DF3F51BA10A}">
+      <p15:sldGuideLst xmlns:p15="http://schemas.microsoft.com/office/powerpoint/2012/main"/>
+    </p:ext>
+  </p:extLst>
 </p:presentation>
 </file>
 
@@ -259,7 +265,7 @@
           <a:p>
             <a:fld id="{54D6525B-A885-F543-8FFA-5A164172A4DA}" type="datetimeFigureOut">
               <a:rPr lang="en-US" smtClean="0"/>
-              <a:t>10/23/24</a:t>
+              <a:t>11/7/24</a:t>
             </a:fld>
             <a:endParaRPr lang="en-US"/>
           </a:p>
@@ -459,7 +465,7 @@
           <a:p>
             <a:fld id="{54D6525B-A885-F543-8FFA-5A164172A4DA}" type="datetimeFigureOut">
               <a:rPr lang="en-US" smtClean="0"/>
-              <a:t>10/23/24</a:t>
+              <a:t>11/7/24</a:t>
             </a:fld>
             <a:endParaRPr lang="en-US"/>
           </a:p>
@@ -669,7 +675,7 @@
           <a:p>
             <a:fld id="{54D6525B-A885-F543-8FFA-5A164172A4DA}" type="datetimeFigureOut">
               <a:rPr lang="en-US" smtClean="0"/>
-              <a:t>10/23/24</a:t>
+              <a:t>11/7/24</a:t>
             </a:fld>
             <a:endParaRPr lang="en-US"/>
           </a:p>
@@ -869,7 +875,7 @@
           <a:p>
             <a:fld id="{54D6525B-A885-F543-8FFA-5A164172A4DA}" type="datetimeFigureOut">
               <a:rPr lang="en-US" smtClean="0"/>
-              <a:t>10/23/24</a:t>
+              <a:t>11/7/24</a:t>
             </a:fld>
             <a:endParaRPr lang="en-US"/>
           </a:p>
@@ -1145,7 +1151,7 @@
           <a:p>
             <a:fld id="{54D6525B-A885-F543-8FFA-5A164172A4DA}" type="datetimeFigureOut">
               <a:rPr lang="en-US" smtClean="0"/>
-              <a:t>10/23/24</a:t>
+              <a:t>11/7/24</a:t>
             </a:fld>
             <a:endParaRPr lang="en-US"/>
           </a:p>
@@ -1413,7 +1419,7 @@
           <a:p>
             <a:fld id="{54D6525B-A885-F543-8FFA-5A164172A4DA}" type="datetimeFigureOut">
               <a:rPr lang="en-US" smtClean="0"/>
-              <a:t>10/23/24</a:t>
+              <a:t>11/7/24</a:t>
             </a:fld>
             <a:endParaRPr lang="en-US"/>
           </a:p>
@@ -1828,7 +1834,7 @@
           <a:p>
             <a:fld id="{54D6525B-A885-F543-8FFA-5A164172A4DA}" type="datetimeFigureOut">
               <a:rPr lang="en-US" smtClean="0"/>
-              <a:t>10/23/24</a:t>
+              <a:t>11/7/24</a:t>
             </a:fld>
             <a:endParaRPr lang="en-US"/>
           </a:p>
@@ -1970,7 +1976,7 @@
           <a:p>
             <a:fld id="{54D6525B-A885-F543-8FFA-5A164172A4DA}" type="datetimeFigureOut">
               <a:rPr lang="en-US" smtClean="0"/>
-              <a:t>10/23/24</a:t>
+              <a:t>11/7/24</a:t>
             </a:fld>
             <a:endParaRPr lang="en-US"/>
           </a:p>
@@ -2083,7 +2089,7 @@
           <a:p>
             <a:fld id="{54D6525B-A885-F543-8FFA-5A164172A4DA}" type="datetimeFigureOut">
               <a:rPr lang="en-US" smtClean="0"/>
-              <a:t>10/23/24</a:t>
+              <a:t>11/7/24</a:t>
             </a:fld>
             <a:endParaRPr lang="en-US"/>
           </a:p>
@@ -2396,7 +2402,7 @@
           <a:p>
             <a:fld id="{54D6525B-A885-F543-8FFA-5A164172A4DA}" type="datetimeFigureOut">
               <a:rPr lang="en-US" smtClean="0"/>
-              <a:t>10/23/24</a:t>
+              <a:t>11/7/24</a:t>
             </a:fld>
             <a:endParaRPr lang="en-US"/>
           </a:p>
@@ -2685,7 +2691,7 @@
           <a:p>
             <a:fld id="{54D6525B-A885-F543-8FFA-5A164172A4DA}" type="datetimeFigureOut">
               <a:rPr lang="en-US" smtClean="0"/>
-              <a:t>10/23/24</a:t>
+              <a:t>11/7/24</a:t>
             </a:fld>
             <a:endParaRPr lang="en-US"/>
           </a:p>
@@ -2928,7 +2934,7 @@
           <a:p>
             <a:fld id="{54D6525B-A885-F543-8FFA-5A164172A4DA}" type="datetimeFigureOut">
               <a:rPr lang="en-US" smtClean="0"/>
-              <a:t>10/23/24</a:t>
+              <a:t>11/7/24</a:t>
             </a:fld>
             <a:endParaRPr lang="en-US"/>
           </a:p>
@@ -4682,6 +4688,559 @@
 </p:sld>
 </file>
 
+<file path=ppt/slides/slide5.xml><?xml version="1.0" encoding="utf-8"?>
+<p:sld xmlns:a="http://schemas.openxmlformats.org/drawingml/2006/main" xmlns:r="http://schemas.openxmlformats.org/officeDocument/2006/relationships" xmlns:p="http://schemas.openxmlformats.org/presentationml/2006/main">
+  <p:cSld>
+    <p:spTree>
+      <p:nvGrpSpPr>
+        <p:cNvPr id="1" name=""/>
+        <p:cNvGrpSpPr/>
+        <p:nvPr/>
+      </p:nvGrpSpPr>
+      <p:grpSpPr>
+        <a:xfrm>
+          <a:off x="0" y="0"/>
+          <a:ext cx="0" cy="0"/>
+          <a:chOff x="0" y="0"/>
+          <a:chExt cx="0" cy="0"/>
+        </a:xfrm>
+      </p:grpSpPr>
+      <p:sp>
+        <p:nvSpPr>
+          <p:cNvPr id="2" name="Título 1">
+            <a:extLst>
+              <a:ext uri="{FF2B5EF4-FFF2-40B4-BE49-F238E27FC236}">
+                <a16:creationId xmlns:a16="http://schemas.microsoft.com/office/drawing/2014/main" id="{D6D787CF-AB93-9FFB-7DFA-92CBBD0A7C92}"/>
+              </a:ext>
+            </a:extLst>
+          </p:cNvPr>
+          <p:cNvSpPr>
+            <a:spLocks noGrp="1"/>
+          </p:cNvSpPr>
+          <p:nvPr>
+            <p:ph type="title"/>
+          </p:nvPr>
+        </p:nvSpPr>
+        <p:spPr>
+          <a:xfrm>
+            <a:off x="838200" y="26706"/>
+            <a:ext cx="10515600" cy="1325563"/>
+          </a:xfrm>
+        </p:spPr>
+        <p:txBody>
+          <a:bodyPr>
+            <a:normAutofit/>
+          </a:bodyPr>
+          <a:lstStyle/>
+          <a:p>
+            <a:r>
+              <a:rPr lang="en-US" sz="3200" dirty="0"/>
+              <a:t>Roadmap</a:t>
+            </a:r>
+          </a:p>
+        </p:txBody>
+      </p:sp>
+      <p:sp>
+        <p:nvSpPr>
+          <p:cNvPr id="15" name="Retângulo 14">
+            <a:extLst>
+              <a:ext uri="{FF2B5EF4-FFF2-40B4-BE49-F238E27FC236}">
+                <a16:creationId xmlns:a16="http://schemas.microsoft.com/office/drawing/2014/main" id="{6ED354D3-C5D8-CB3C-B574-4B43FB755CE7}"/>
+              </a:ext>
+            </a:extLst>
+          </p:cNvPr>
+          <p:cNvSpPr/>
+          <p:nvPr/>
+        </p:nvSpPr>
+        <p:spPr>
+          <a:xfrm>
+            <a:off x="7217230" y="4663964"/>
+            <a:ext cx="4749530" cy="779930"/>
+          </a:xfrm>
+          <a:prstGeom prst="rect">
+            <a:avLst/>
+          </a:prstGeom>
+        </p:spPr>
+        <p:style>
+          <a:lnRef idx="3">
+            <a:schemeClr val="lt1"/>
+          </a:lnRef>
+          <a:fillRef idx="1">
+            <a:schemeClr val="accent1"/>
+          </a:fillRef>
+          <a:effectRef idx="1">
+            <a:schemeClr val="accent1"/>
+          </a:effectRef>
+          <a:fontRef idx="minor">
+            <a:schemeClr val="lt1"/>
+          </a:fontRef>
+        </p:style>
+        <p:txBody>
+          <a:bodyPr rtlCol="0" anchor="ctr"/>
+          <a:lstStyle/>
+          <a:p>
+            <a:pPr lvl="0" algn="ctr"/>
+            <a:r>
+              <a:rPr lang="en-US" sz="1600" dirty="0"/>
+              <a:t>Research and development of models for identifying students' metacognitive strategies</a:t>
+            </a:r>
+            <a:endParaRPr lang="pt-BR" sz="1600" dirty="0"/>
+          </a:p>
+        </p:txBody>
+      </p:sp>
+      <p:sp>
+        <p:nvSpPr>
+          <p:cNvPr id="16" name="Retângulo 15">
+            <a:extLst>
+              <a:ext uri="{FF2B5EF4-FFF2-40B4-BE49-F238E27FC236}">
+                <a16:creationId xmlns:a16="http://schemas.microsoft.com/office/drawing/2014/main" id="{F1CE4E7A-915D-8796-FE6D-06A7453371DF}"/>
+              </a:ext>
+            </a:extLst>
+          </p:cNvPr>
+          <p:cNvSpPr/>
+          <p:nvPr/>
+        </p:nvSpPr>
+        <p:spPr>
+          <a:xfrm>
+            <a:off x="7217230" y="5633589"/>
+            <a:ext cx="4816764" cy="779930"/>
+          </a:xfrm>
+          <a:prstGeom prst="rect">
+            <a:avLst/>
+          </a:prstGeom>
+          <a:solidFill>
+            <a:schemeClr val="accent3"/>
+          </a:solidFill>
+          <a:ln>
+            <a:noFill/>
+          </a:ln>
+        </p:spPr>
+        <p:style>
+          <a:lnRef idx="0">
+            <a:scrgbClr r="0" g="0" b="0"/>
+          </a:lnRef>
+          <a:fillRef idx="0">
+            <a:scrgbClr r="0" g="0" b="0"/>
+          </a:fillRef>
+          <a:effectRef idx="0">
+            <a:scrgbClr r="0" g="0" b="0"/>
+          </a:effectRef>
+          <a:fontRef idx="minor">
+            <a:schemeClr val="lt1"/>
+          </a:fontRef>
+        </p:style>
+        <p:txBody>
+          <a:bodyPr rtlCol="0" anchor="ctr"/>
+          <a:lstStyle/>
+          <a:p>
+            <a:pPr lvl="0" algn="ctr"/>
+            <a:r>
+              <a:rPr lang="en-US" sz="1600" dirty="0"/>
+              <a:t>Theoretical research on the application of metacognitive strategies in the use of </a:t>
+            </a:r>
+            <a:r>
+              <a:rPr lang="en-US" sz="1600" dirty="0" err="1"/>
+              <a:t>GenAI</a:t>
+            </a:r>
+            <a:endParaRPr lang="pt-BR" sz="1600" dirty="0"/>
+          </a:p>
+        </p:txBody>
+      </p:sp>
+      <p:sp>
+        <p:nvSpPr>
+          <p:cNvPr id="18" name="Retângulo 17">
+            <a:extLst>
+              <a:ext uri="{FF2B5EF4-FFF2-40B4-BE49-F238E27FC236}">
+                <a16:creationId xmlns:a16="http://schemas.microsoft.com/office/drawing/2014/main" id="{3B45D69F-3691-121B-CC08-00C37248F31D}"/>
+              </a:ext>
+            </a:extLst>
+          </p:cNvPr>
+          <p:cNvSpPr/>
+          <p:nvPr/>
+        </p:nvSpPr>
+        <p:spPr>
+          <a:xfrm>
+            <a:off x="222519" y="1307588"/>
+            <a:ext cx="8115295" cy="779930"/>
+          </a:xfrm>
+          <a:prstGeom prst="rect">
+            <a:avLst/>
+          </a:prstGeom>
+        </p:spPr>
+        <p:style>
+          <a:lnRef idx="1">
+            <a:schemeClr val="accent5"/>
+          </a:lnRef>
+          <a:fillRef idx="3">
+            <a:schemeClr val="accent5"/>
+          </a:fillRef>
+          <a:effectRef idx="2">
+            <a:schemeClr val="accent5"/>
+          </a:effectRef>
+          <a:fontRef idx="minor">
+            <a:schemeClr val="lt1"/>
+          </a:fontRef>
+        </p:style>
+        <p:txBody>
+          <a:bodyPr rtlCol="0" anchor="ctr"/>
+          <a:lstStyle/>
+          <a:p>
+            <a:pPr lvl="0" algn="ctr"/>
+            <a:r>
+              <a:rPr lang="en-US" sz="1600" noProof="0" dirty="0"/>
+              <a:t>Chatbots development (applications)</a:t>
+            </a:r>
+          </a:p>
+        </p:txBody>
+      </p:sp>
+      <p:sp>
+        <p:nvSpPr>
+          <p:cNvPr id="20" name="Retângulo 19">
+            <a:extLst>
+              <a:ext uri="{FF2B5EF4-FFF2-40B4-BE49-F238E27FC236}">
+                <a16:creationId xmlns:a16="http://schemas.microsoft.com/office/drawing/2014/main" id="{857BED27-91B7-E4CB-30FE-9DCCD01ED7E0}"/>
+              </a:ext>
+            </a:extLst>
+          </p:cNvPr>
+          <p:cNvSpPr/>
+          <p:nvPr/>
+        </p:nvSpPr>
+        <p:spPr>
+          <a:xfrm>
+            <a:off x="8435788" y="1296542"/>
+            <a:ext cx="3609412" cy="779930"/>
+          </a:xfrm>
+          <a:prstGeom prst="rect">
+            <a:avLst/>
+          </a:prstGeom>
+        </p:spPr>
+        <p:style>
+          <a:lnRef idx="0">
+            <a:schemeClr val="accent5"/>
+          </a:lnRef>
+          <a:fillRef idx="3">
+            <a:schemeClr val="accent5"/>
+          </a:fillRef>
+          <a:effectRef idx="3">
+            <a:schemeClr val="accent5"/>
+          </a:effectRef>
+          <a:fontRef idx="minor">
+            <a:schemeClr val="lt1"/>
+          </a:fontRef>
+        </p:style>
+        <p:txBody>
+          <a:bodyPr rtlCol="0" anchor="ctr"/>
+          <a:lstStyle/>
+          <a:p>
+            <a:pPr lvl="0" algn="ctr"/>
+            <a:r>
+              <a:rPr lang="en-US" sz="1600" dirty="0"/>
+              <a:t>Development of tools for visualizing students' metacognitive strategies</a:t>
+            </a:r>
+            <a:endParaRPr lang="pt-BR" sz="1600" dirty="0"/>
+          </a:p>
+        </p:txBody>
+      </p:sp>
+      <p:sp>
+        <p:nvSpPr>
+          <p:cNvPr id="24" name="Retângulo 23">
+            <a:extLst>
+              <a:ext uri="{FF2B5EF4-FFF2-40B4-BE49-F238E27FC236}">
+                <a16:creationId xmlns:a16="http://schemas.microsoft.com/office/drawing/2014/main" id="{1AF8CFD4-1581-DC83-B27C-AE64E59059AE}"/>
+              </a:ext>
+            </a:extLst>
+          </p:cNvPr>
+          <p:cNvSpPr/>
+          <p:nvPr/>
+        </p:nvSpPr>
+        <p:spPr>
+          <a:xfrm>
+            <a:off x="3208244" y="2438188"/>
+            <a:ext cx="2335621" cy="779930"/>
+          </a:xfrm>
+          <a:prstGeom prst="rect">
+            <a:avLst/>
+          </a:prstGeom>
+        </p:spPr>
+        <p:style>
+          <a:lnRef idx="3">
+            <a:schemeClr val="lt1"/>
+          </a:lnRef>
+          <a:fillRef idx="1">
+            <a:schemeClr val="accent1"/>
+          </a:fillRef>
+          <a:effectRef idx="1">
+            <a:schemeClr val="accent1"/>
+          </a:effectRef>
+          <a:fontRef idx="minor">
+            <a:schemeClr val="lt1"/>
+          </a:fontRef>
+        </p:style>
+        <p:txBody>
+          <a:bodyPr rtlCol="0" anchor="ctr"/>
+          <a:lstStyle/>
+          <a:p>
+            <a:pPr lvl="0" algn="ctr"/>
+            <a:r>
+              <a:rPr lang="en-US" sz="1400" noProof="0" dirty="0"/>
+              <a:t>RAG Research and Development</a:t>
+            </a:r>
+          </a:p>
+        </p:txBody>
+      </p:sp>
+      <p:sp>
+        <p:nvSpPr>
+          <p:cNvPr id="26" name="Retângulo 25">
+            <a:extLst>
+              <a:ext uri="{FF2B5EF4-FFF2-40B4-BE49-F238E27FC236}">
+                <a16:creationId xmlns:a16="http://schemas.microsoft.com/office/drawing/2014/main" id="{CE24B94D-9D0F-3E29-CF93-827D1CD0214C}"/>
+              </a:ext>
+            </a:extLst>
+          </p:cNvPr>
+          <p:cNvSpPr/>
+          <p:nvPr/>
+        </p:nvSpPr>
+        <p:spPr>
+          <a:xfrm>
+            <a:off x="236449" y="5633589"/>
+            <a:ext cx="2648266" cy="779930"/>
+          </a:xfrm>
+          <a:prstGeom prst="rect">
+            <a:avLst/>
+          </a:prstGeom>
+          <a:solidFill>
+            <a:schemeClr val="accent3"/>
+          </a:solidFill>
+          <a:ln>
+            <a:noFill/>
+          </a:ln>
+        </p:spPr>
+        <p:style>
+          <a:lnRef idx="0">
+            <a:scrgbClr r="0" g="0" b="0"/>
+          </a:lnRef>
+          <a:fillRef idx="0">
+            <a:scrgbClr r="0" g="0" b="0"/>
+          </a:fillRef>
+          <a:effectRef idx="0">
+            <a:scrgbClr r="0" g="0" b="0"/>
+          </a:effectRef>
+          <a:fontRef idx="minor">
+            <a:schemeClr val="lt1"/>
+          </a:fontRef>
+        </p:style>
+        <p:txBody>
+          <a:bodyPr rtlCol="0" anchor="ctr"/>
+          <a:lstStyle/>
+          <a:p>
+            <a:pPr lvl="0" algn="ctr"/>
+            <a:r>
+              <a:rPr lang="en-US" sz="1400" dirty="0"/>
+              <a:t>Theoretical research on Cooperative Learning Workflows</a:t>
+            </a:r>
+            <a:endParaRPr lang="pt-BR" sz="1400" dirty="0"/>
+          </a:p>
+        </p:txBody>
+      </p:sp>
+      <p:cxnSp>
+        <p:nvCxnSpPr>
+          <p:cNvPr id="4" name="Conector Reto 3">
+            <a:extLst>
+              <a:ext uri="{FF2B5EF4-FFF2-40B4-BE49-F238E27FC236}">
+                <a16:creationId xmlns:a16="http://schemas.microsoft.com/office/drawing/2014/main" id="{9445A4DE-C134-4E73-9FD2-C40DAB97E285}"/>
+              </a:ext>
+            </a:extLst>
+          </p:cNvPr>
+          <p:cNvCxnSpPr/>
+          <p:nvPr/>
+        </p:nvCxnSpPr>
+        <p:spPr>
+          <a:xfrm>
+            <a:off x="2852057" y="2220686"/>
+            <a:ext cx="0" cy="3223208"/>
+          </a:xfrm>
+          <a:prstGeom prst="line">
+            <a:avLst/>
+          </a:prstGeom>
+          <a:ln w="19050" cap="flat" cmpd="sng" algn="ctr">
+            <a:solidFill>
+              <a:schemeClr val="dk1"/>
+            </a:solidFill>
+            <a:prstDash val="dash"/>
+            <a:round/>
+            <a:headEnd type="none" w="med" len="med"/>
+            <a:tailEnd type="none" w="med" len="med"/>
+          </a:ln>
+        </p:spPr>
+        <p:style>
+          <a:lnRef idx="0">
+            <a:scrgbClr r="0" g="0" b="0"/>
+          </a:lnRef>
+          <a:fillRef idx="0">
+            <a:scrgbClr r="0" g="0" b="0"/>
+          </a:fillRef>
+          <a:effectRef idx="0">
+            <a:scrgbClr r="0" g="0" b="0"/>
+          </a:effectRef>
+          <a:fontRef idx="minor">
+            <a:schemeClr val="tx1"/>
+          </a:fontRef>
+        </p:style>
+      </p:cxnSp>
+      <p:sp>
+        <p:nvSpPr>
+          <p:cNvPr id="25" name="Retângulo 24">
+            <a:extLst>
+              <a:ext uri="{FF2B5EF4-FFF2-40B4-BE49-F238E27FC236}">
+                <a16:creationId xmlns:a16="http://schemas.microsoft.com/office/drawing/2014/main" id="{B8C98A90-02B5-1E84-87F7-022DA524D5A0}"/>
+              </a:ext>
+            </a:extLst>
+          </p:cNvPr>
+          <p:cNvSpPr/>
+          <p:nvPr/>
+        </p:nvSpPr>
+        <p:spPr>
+          <a:xfrm>
+            <a:off x="236448" y="3590733"/>
+            <a:ext cx="6893691" cy="779930"/>
+          </a:xfrm>
+          <a:prstGeom prst="rect">
+            <a:avLst/>
+          </a:prstGeom>
+        </p:spPr>
+        <p:style>
+          <a:lnRef idx="3">
+            <a:schemeClr val="lt1"/>
+          </a:lnRef>
+          <a:fillRef idx="1">
+            <a:schemeClr val="accent1"/>
+          </a:fillRef>
+          <a:effectRef idx="1">
+            <a:schemeClr val="accent1"/>
+          </a:effectRef>
+          <a:fontRef idx="minor">
+            <a:schemeClr val="lt1"/>
+          </a:fontRef>
+        </p:style>
+        <p:txBody>
+          <a:bodyPr rtlCol="0" anchor="ctr"/>
+          <a:lstStyle/>
+          <a:p>
+            <a:pPr lvl="0" algn="ctr"/>
+            <a:r>
+              <a:rPr lang="en-US" sz="1400" noProof="0" dirty="0"/>
+              <a:t>Development of a microservices-based framework to control educational workflows</a:t>
+            </a:r>
+          </a:p>
+        </p:txBody>
+      </p:sp>
+      <p:sp>
+        <p:nvSpPr>
+          <p:cNvPr id="27" name="Retângulo 26">
+            <a:extLst>
+              <a:ext uri="{FF2B5EF4-FFF2-40B4-BE49-F238E27FC236}">
+                <a16:creationId xmlns:a16="http://schemas.microsoft.com/office/drawing/2014/main" id="{2E5E1471-8EF5-4C87-83D0-0DEA1E8DD839}"/>
+              </a:ext>
+            </a:extLst>
+          </p:cNvPr>
+          <p:cNvSpPr/>
+          <p:nvPr/>
+        </p:nvSpPr>
+        <p:spPr>
+          <a:xfrm>
+            <a:off x="6179398" y="2438114"/>
+            <a:ext cx="5853953" cy="779930"/>
+          </a:xfrm>
+          <a:prstGeom prst="rect">
+            <a:avLst/>
+          </a:prstGeom>
+        </p:spPr>
+        <p:style>
+          <a:lnRef idx="3">
+            <a:schemeClr val="lt1"/>
+          </a:lnRef>
+          <a:fillRef idx="1">
+            <a:schemeClr val="accent1"/>
+          </a:fillRef>
+          <a:effectRef idx="1">
+            <a:schemeClr val="accent1"/>
+          </a:effectRef>
+          <a:fontRef idx="minor">
+            <a:schemeClr val="lt1"/>
+          </a:fontRef>
+        </p:style>
+        <p:txBody>
+          <a:bodyPr rtlCol="0" anchor="ctr"/>
+          <a:lstStyle/>
+          <a:p>
+            <a:pPr lvl="0" algn="ctr"/>
+            <a:r>
+              <a:rPr lang="en-US" sz="1400" noProof="0" dirty="0"/>
+              <a:t>Development of automatic detection of students' metacognitive patterns using statistical methods</a:t>
+            </a:r>
+          </a:p>
+        </p:txBody>
+      </p:sp>
+      <p:sp>
+        <p:nvSpPr>
+          <p:cNvPr id="28" name="Retângulo 27">
+            <a:extLst>
+              <a:ext uri="{FF2B5EF4-FFF2-40B4-BE49-F238E27FC236}">
+                <a16:creationId xmlns:a16="http://schemas.microsoft.com/office/drawing/2014/main" id="{4E1D1F6A-74D3-FA1A-3F49-A6BAC547B20C}"/>
+              </a:ext>
+            </a:extLst>
+          </p:cNvPr>
+          <p:cNvSpPr/>
+          <p:nvPr/>
+        </p:nvSpPr>
+        <p:spPr>
+          <a:xfrm>
+            <a:off x="222519" y="2441901"/>
+            <a:ext cx="2335621" cy="779930"/>
+          </a:xfrm>
+          <a:prstGeom prst="rect">
+            <a:avLst/>
+          </a:prstGeom>
+        </p:spPr>
+        <p:style>
+          <a:lnRef idx="3">
+            <a:schemeClr val="lt1"/>
+          </a:lnRef>
+          <a:fillRef idx="1">
+            <a:schemeClr val="accent1"/>
+          </a:fillRef>
+          <a:effectRef idx="1">
+            <a:schemeClr val="accent1"/>
+          </a:effectRef>
+          <a:fontRef idx="minor">
+            <a:schemeClr val="lt1"/>
+          </a:fontRef>
+        </p:style>
+        <p:txBody>
+          <a:bodyPr rtlCol="0" anchor="ctr"/>
+          <a:lstStyle/>
+          <a:p>
+            <a:pPr lvl="0" algn="ctr"/>
+            <a:r>
+              <a:rPr lang="en-US" sz="1400" noProof="0" dirty="0"/>
+              <a:t>Development of educational microservices (Orion Services)</a:t>
+            </a:r>
+          </a:p>
+        </p:txBody>
+      </p:sp>
+    </p:spTree>
+    <p:extLst>
+      <p:ext uri="{BB962C8B-B14F-4D97-AF65-F5344CB8AC3E}">
+        <p14:creationId xmlns:p14="http://schemas.microsoft.com/office/powerpoint/2010/main" val="2008652662"/>
+      </p:ext>
+    </p:extLst>
+  </p:cSld>
+  <p:clrMapOvr>
+    <a:masterClrMapping/>
+  </p:clrMapOvr>
+</p:sld>
+</file>
+
 <file path=ppt/theme/theme1.xml><?xml version="1.0" encoding="utf-8"?>
 <a:theme xmlns:a="http://schemas.openxmlformats.org/drawingml/2006/main" name="Tema do Office">
   <a:themeElements>

--- a/CSEDU2025/Presentation.pptx
+++ b/CSEDU2025/Presentation.pptx
@@ -265,7 +265,7 @@
           <a:p>
             <a:fld id="{54D6525B-A885-F543-8FFA-5A164172A4DA}" type="datetimeFigureOut">
               <a:rPr lang="en-US" smtClean="0"/>
-              <a:t>11/7/24</a:t>
+              <a:t>11/15/24</a:t>
             </a:fld>
             <a:endParaRPr lang="en-US"/>
           </a:p>
@@ -465,7 +465,7 @@
           <a:p>
             <a:fld id="{54D6525B-A885-F543-8FFA-5A164172A4DA}" type="datetimeFigureOut">
               <a:rPr lang="en-US" smtClean="0"/>
-              <a:t>11/7/24</a:t>
+              <a:t>11/15/24</a:t>
             </a:fld>
             <a:endParaRPr lang="en-US"/>
           </a:p>
@@ -675,7 +675,7 @@
           <a:p>
             <a:fld id="{54D6525B-A885-F543-8FFA-5A164172A4DA}" type="datetimeFigureOut">
               <a:rPr lang="en-US" smtClean="0"/>
-              <a:t>11/7/24</a:t>
+              <a:t>11/15/24</a:t>
             </a:fld>
             <a:endParaRPr lang="en-US"/>
           </a:p>
@@ -875,7 +875,7 @@
           <a:p>
             <a:fld id="{54D6525B-A885-F543-8FFA-5A164172A4DA}" type="datetimeFigureOut">
               <a:rPr lang="en-US" smtClean="0"/>
-              <a:t>11/7/24</a:t>
+              <a:t>11/15/24</a:t>
             </a:fld>
             <a:endParaRPr lang="en-US"/>
           </a:p>
@@ -1151,7 +1151,7 @@
           <a:p>
             <a:fld id="{54D6525B-A885-F543-8FFA-5A164172A4DA}" type="datetimeFigureOut">
               <a:rPr lang="en-US" smtClean="0"/>
-              <a:t>11/7/24</a:t>
+              <a:t>11/15/24</a:t>
             </a:fld>
             <a:endParaRPr lang="en-US"/>
           </a:p>
@@ -1419,7 +1419,7 @@
           <a:p>
             <a:fld id="{54D6525B-A885-F543-8FFA-5A164172A4DA}" type="datetimeFigureOut">
               <a:rPr lang="en-US" smtClean="0"/>
-              <a:t>11/7/24</a:t>
+              <a:t>11/15/24</a:t>
             </a:fld>
             <a:endParaRPr lang="en-US"/>
           </a:p>
@@ -1834,7 +1834,7 @@
           <a:p>
             <a:fld id="{54D6525B-A885-F543-8FFA-5A164172A4DA}" type="datetimeFigureOut">
               <a:rPr lang="en-US" smtClean="0"/>
-              <a:t>11/7/24</a:t>
+              <a:t>11/15/24</a:t>
             </a:fld>
             <a:endParaRPr lang="en-US"/>
           </a:p>
@@ -1976,7 +1976,7 @@
           <a:p>
             <a:fld id="{54D6525B-A885-F543-8FFA-5A164172A4DA}" type="datetimeFigureOut">
               <a:rPr lang="en-US" smtClean="0"/>
-              <a:t>11/7/24</a:t>
+              <a:t>11/15/24</a:t>
             </a:fld>
             <a:endParaRPr lang="en-US"/>
           </a:p>
@@ -2089,7 +2089,7 @@
           <a:p>
             <a:fld id="{54D6525B-A885-F543-8FFA-5A164172A4DA}" type="datetimeFigureOut">
               <a:rPr lang="en-US" smtClean="0"/>
-              <a:t>11/7/24</a:t>
+              <a:t>11/15/24</a:t>
             </a:fld>
             <a:endParaRPr lang="en-US"/>
           </a:p>
@@ -2402,7 +2402,7 @@
           <a:p>
             <a:fld id="{54D6525B-A885-F543-8FFA-5A164172A4DA}" type="datetimeFigureOut">
               <a:rPr lang="en-US" smtClean="0"/>
-              <a:t>11/7/24</a:t>
+              <a:t>11/15/24</a:t>
             </a:fld>
             <a:endParaRPr lang="en-US"/>
           </a:p>
@@ -2691,7 +2691,7 @@
           <a:p>
             <a:fld id="{54D6525B-A885-F543-8FFA-5A164172A4DA}" type="datetimeFigureOut">
               <a:rPr lang="en-US" smtClean="0"/>
-              <a:t>11/7/24</a:t>
+              <a:t>11/15/24</a:t>
             </a:fld>
             <a:endParaRPr lang="en-US"/>
           </a:p>
@@ -2934,7 +2934,7 @@
           <a:p>
             <a:fld id="{54D6525B-A885-F543-8FFA-5A164172A4DA}" type="datetimeFigureOut">
               <a:rPr lang="en-US" smtClean="0"/>
-              <a:t>11/7/24</a:t>
+              <a:t>11/15/24</a:t>
             </a:fld>
             <a:endParaRPr lang="en-US"/>
           </a:p>

--- a/CSEDU2025/Presentation.pptx
+++ b/CSEDU2025/Presentation.pptx
@@ -9,7 +9,8 @@
     <p:sldId id="256" r:id="rId3"/>
     <p:sldId id="261" r:id="rId4"/>
     <p:sldId id="260" r:id="rId5"/>
-    <p:sldId id="262" r:id="rId6"/>
+    <p:sldId id="263" r:id="rId6"/>
+    <p:sldId id="262" r:id="rId7"/>
   </p:sldIdLst>
   <p:sldSz cx="12192000" cy="6858000"/>
   <p:notesSz cx="6858000" cy="9144000"/>
@@ -265,7 +266,7 @@
           <a:p>
             <a:fld id="{54D6525B-A885-F543-8FFA-5A164172A4DA}" type="datetimeFigureOut">
               <a:rPr lang="en-US" smtClean="0"/>
-              <a:t>11/15/24</a:t>
+              <a:t>11/20/24</a:t>
             </a:fld>
             <a:endParaRPr lang="en-US"/>
           </a:p>
@@ -465,7 +466,7 @@
           <a:p>
             <a:fld id="{54D6525B-A885-F543-8FFA-5A164172A4DA}" type="datetimeFigureOut">
               <a:rPr lang="en-US" smtClean="0"/>
-              <a:t>11/15/24</a:t>
+              <a:t>11/20/24</a:t>
             </a:fld>
             <a:endParaRPr lang="en-US"/>
           </a:p>
@@ -675,7 +676,7 @@
           <a:p>
             <a:fld id="{54D6525B-A885-F543-8FFA-5A164172A4DA}" type="datetimeFigureOut">
               <a:rPr lang="en-US" smtClean="0"/>
-              <a:t>11/15/24</a:t>
+              <a:t>11/20/24</a:t>
             </a:fld>
             <a:endParaRPr lang="en-US"/>
           </a:p>
@@ -875,7 +876,7 @@
           <a:p>
             <a:fld id="{54D6525B-A885-F543-8FFA-5A164172A4DA}" type="datetimeFigureOut">
               <a:rPr lang="en-US" smtClean="0"/>
-              <a:t>11/15/24</a:t>
+              <a:t>11/20/24</a:t>
             </a:fld>
             <a:endParaRPr lang="en-US"/>
           </a:p>
@@ -1151,7 +1152,7 @@
           <a:p>
             <a:fld id="{54D6525B-A885-F543-8FFA-5A164172A4DA}" type="datetimeFigureOut">
               <a:rPr lang="en-US" smtClean="0"/>
-              <a:t>11/15/24</a:t>
+              <a:t>11/20/24</a:t>
             </a:fld>
             <a:endParaRPr lang="en-US"/>
           </a:p>
@@ -1419,7 +1420,7 @@
           <a:p>
             <a:fld id="{54D6525B-A885-F543-8FFA-5A164172A4DA}" type="datetimeFigureOut">
               <a:rPr lang="en-US" smtClean="0"/>
-              <a:t>11/15/24</a:t>
+              <a:t>11/20/24</a:t>
             </a:fld>
             <a:endParaRPr lang="en-US"/>
           </a:p>
@@ -1834,7 +1835,7 @@
           <a:p>
             <a:fld id="{54D6525B-A885-F543-8FFA-5A164172A4DA}" type="datetimeFigureOut">
               <a:rPr lang="en-US" smtClean="0"/>
-              <a:t>11/15/24</a:t>
+              <a:t>11/20/24</a:t>
             </a:fld>
             <a:endParaRPr lang="en-US"/>
           </a:p>
@@ -1976,7 +1977,7 @@
           <a:p>
             <a:fld id="{54D6525B-A885-F543-8FFA-5A164172A4DA}" type="datetimeFigureOut">
               <a:rPr lang="en-US" smtClean="0"/>
-              <a:t>11/15/24</a:t>
+              <a:t>11/20/24</a:t>
             </a:fld>
             <a:endParaRPr lang="en-US"/>
           </a:p>
@@ -2089,7 +2090,7 @@
           <a:p>
             <a:fld id="{54D6525B-A885-F543-8FFA-5A164172A4DA}" type="datetimeFigureOut">
               <a:rPr lang="en-US" smtClean="0"/>
-              <a:t>11/15/24</a:t>
+              <a:t>11/20/24</a:t>
             </a:fld>
             <a:endParaRPr lang="en-US"/>
           </a:p>
@@ -2402,7 +2403,7 @@
           <a:p>
             <a:fld id="{54D6525B-A885-F543-8FFA-5A164172A4DA}" type="datetimeFigureOut">
               <a:rPr lang="en-US" smtClean="0"/>
-              <a:t>11/15/24</a:t>
+              <a:t>11/20/24</a:t>
             </a:fld>
             <a:endParaRPr lang="en-US"/>
           </a:p>
@@ -2691,7 +2692,7 @@
           <a:p>
             <a:fld id="{54D6525B-A885-F543-8FFA-5A164172A4DA}" type="datetimeFigureOut">
               <a:rPr lang="en-US" smtClean="0"/>
-              <a:t>11/15/24</a:t>
+              <a:t>11/20/24</a:t>
             </a:fld>
             <a:endParaRPr lang="en-US"/>
           </a:p>
@@ -2934,7 +2935,7 @@
           <a:p>
             <a:fld id="{54D6525B-A885-F543-8FFA-5A164172A4DA}" type="datetimeFigureOut">
               <a:rPr lang="en-US" smtClean="0"/>
-              <a:t>11/15/24</a:t>
+              <a:t>11/20/24</a:t>
             </a:fld>
             <a:endParaRPr lang="en-US"/>
           </a:p>
@@ -3918,8 +3919,8 @@
         </p:nvSpPr>
         <p:spPr>
           <a:xfrm>
-            <a:off x="250056" y="909887"/>
-            <a:ext cx="1771639" cy="646331"/>
+            <a:off x="620917" y="1059987"/>
+            <a:ext cx="1391920" cy="369332"/>
           </a:xfrm>
           <a:prstGeom prst="rect">
             <a:avLst/>
@@ -3935,13 +3936,7 @@
             <a:pPr algn="ctr"/>
             <a:r>
               <a:rPr lang="en-US" dirty="0"/>
-              <a:t>Interleaving </a:t>
-            </a:r>
-          </a:p>
-          <a:p>
-            <a:r>
-              <a:rPr lang="en-US" dirty="0"/>
-              <a:t>Inside a session</a:t>
+              <a:t>Interleaving</a:t>
             </a:r>
           </a:p>
         </p:txBody>
@@ -4196,13 +4191,15 @@
               </a:ext>
             </a:extLst>
           </p:cNvPr>
-          <p:cNvCxnSpPr/>
+          <p:cNvCxnSpPr>
+            <a:cxnSpLocks/>
+          </p:cNvCxnSpPr>
           <p:nvPr/>
         </p:nvCxnSpPr>
         <p:spPr>
           <a:xfrm>
             <a:off x="1671638" y="1643063"/>
-            <a:ext cx="973591" cy="2017799"/>
+            <a:ext cx="1114536" cy="2017799"/>
           </a:xfrm>
           <a:prstGeom prst="straightConnector1">
             <a:avLst/>
@@ -4248,7 +4245,7 @@
         </p:blipFill>
         <p:spPr>
           <a:xfrm>
-            <a:off x="244095" y="6014084"/>
+            <a:off x="200028" y="6132842"/>
             <a:ext cx="4802268" cy="124294"/>
           </a:xfrm>
           <a:prstGeom prst="rect">
@@ -4256,6 +4253,124 @@
           </a:prstGeom>
         </p:spPr>
       </p:pic>
+      <p:sp>
+        <p:nvSpPr>
+          <p:cNvPr id="2" name="CaixaDeTexto 1">
+            <a:extLst>
+              <a:ext uri="{FF2B5EF4-FFF2-40B4-BE49-F238E27FC236}">
+                <a16:creationId xmlns:a16="http://schemas.microsoft.com/office/drawing/2014/main" id="{F0BB1058-BF79-1EEB-1676-5DFC9CB379DE}"/>
+              </a:ext>
+            </a:extLst>
+          </p:cNvPr>
+          <p:cNvSpPr txBox="1"/>
+          <p:nvPr/>
+        </p:nvSpPr>
+        <p:spPr>
+          <a:xfrm>
+            <a:off x="9849157" y="1059987"/>
+            <a:ext cx="990271" cy="369332"/>
+          </a:xfrm>
+          <a:prstGeom prst="rect">
+            <a:avLst/>
+          </a:prstGeom>
+          <a:noFill/>
+        </p:spPr>
+        <p:txBody>
+          <a:bodyPr wrap="none" rtlCol="0">
+            <a:spAutoFit/>
+          </a:bodyPr>
+          <a:lstStyle/>
+          <a:p>
+            <a:pPr algn="ctr"/>
+            <a:r>
+              <a:rPr lang="en-US" dirty="0"/>
+              <a:t>Blocked</a:t>
+            </a:r>
+          </a:p>
+        </p:txBody>
+      </p:sp>
+      <p:cxnSp>
+        <p:nvCxnSpPr>
+          <p:cNvPr id="3" name="Conector de Seta Reta 2">
+            <a:extLst>
+              <a:ext uri="{FF2B5EF4-FFF2-40B4-BE49-F238E27FC236}">
+                <a16:creationId xmlns:a16="http://schemas.microsoft.com/office/drawing/2014/main" id="{8834238E-E6BF-2E34-E04F-EDCEA8672CA7}"/>
+              </a:ext>
+            </a:extLst>
+          </p:cNvPr>
+          <p:cNvCxnSpPr>
+            <a:cxnSpLocks/>
+          </p:cNvCxnSpPr>
+          <p:nvPr/>
+        </p:nvCxnSpPr>
+        <p:spPr>
+          <a:xfrm flipH="1">
+            <a:off x="3701143" y="1429319"/>
+            <a:ext cx="6136821" cy="356277"/>
+          </a:xfrm>
+          <a:prstGeom prst="straightConnector1">
+            <a:avLst/>
+          </a:prstGeom>
+          <a:ln>
+            <a:tailEnd type="triangle"/>
+          </a:ln>
+        </p:spPr>
+        <p:style>
+          <a:lnRef idx="2">
+            <a:schemeClr val="accent1"/>
+          </a:lnRef>
+          <a:fillRef idx="0">
+            <a:schemeClr val="accent1"/>
+          </a:fillRef>
+          <a:effectRef idx="1">
+            <a:schemeClr val="accent1"/>
+          </a:effectRef>
+          <a:fontRef idx="minor">
+            <a:schemeClr val="tx1"/>
+          </a:fontRef>
+        </p:style>
+      </p:cxnSp>
+      <p:cxnSp>
+        <p:nvCxnSpPr>
+          <p:cNvPr id="7" name="Conector de Seta Reta 6">
+            <a:extLst>
+              <a:ext uri="{FF2B5EF4-FFF2-40B4-BE49-F238E27FC236}">
+                <a16:creationId xmlns:a16="http://schemas.microsoft.com/office/drawing/2014/main" id="{8CB273B7-2572-D497-D810-3F401B816201}"/>
+              </a:ext>
+            </a:extLst>
+          </p:cNvPr>
+          <p:cNvCxnSpPr>
+            <a:cxnSpLocks/>
+          </p:cNvCxnSpPr>
+          <p:nvPr/>
+        </p:nvCxnSpPr>
+        <p:spPr>
+          <a:xfrm flipH="1">
+            <a:off x="9147380" y="1429319"/>
+            <a:ext cx="684134" cy="2812175"/>
+          </a:xfrm>
+          <a:prstGeom prst="straightConnector1">
+            <a:avLst/>
+          </a:prstGeom>
+          <a:ln>
+            <a:tailEnd type="triangle"/>
+          </a:ln>
+        </p:spPr>
+        <p:style>
+          <a:lnRef idx="2">
+            <a:schemeClr val="accent1"/>
+          </a:lnRef>
+          <a:fillRef idx="0">
+            <a:schemeClr val="accent1"/>
+          </a:fillRef>
+          <a:effectRef idx="1">
+            <a:schemeClr val="accent1"/>
+          </a:effectRef>
+          <a:fontRef idx="minor">
+            <a:schemeClr val="tx1"/>
+          </a:fontRef>
+        </p:style>
+      </p:cxnSp>
     </p:spTree>
     <p:extLst>
       <p:ext uri="{BB962C8B-B14F-4D97-AF65-F5344CB8AC3E}">
@@ -4342,8 +4457,8 @@
         </p:nvCxnSpPr>
         <p:spPr>
           <a:xfrm>
-            <a:off x="1306286" y="1796143"/>
-            <a:ext cx="2002971" cy="2144486"/>
+            <a:off x="1366092" y="1605864"/>
+            <a:ext cx="1927951" cy="2393259"/>
           </a:xfrm>
           <a:prstGeom prst="straightConnector1">
             <a:avLst/>
@@ -4381,8 +4496,8 @@
         </p:nvSpPr>
         <p:spPr>
           <a:xfrm>
-            <a:off x="141514" y="1098033"/>
-            <a:ext cx="1771639" cy="646331"/>
+            <a:off x="379719" y="1236532"/>
+            <a:ext cx="1391920" cy="369332"/>
           </a:xfrm>
           <a:prstGeom prst="rect">
             <a:avLst/>
@@ -4401,12 +4516,6 @@
               <a:t>Interleaving </a:t>
             </a:r>
           </a:p>
-          <a:p>
-            <a:r>
-              <a:rPr lang="en-US" dirty="0"/>
-              <a:t>Inside a session</a:t>
-            </a:r>
-          </a:p>
         </p:txBody>
       </p:sp>
       <p:sp>
@@ -4423,8 +4532,8 @@
         </p:nvSpPr>
         <p:spPr>
           <a:xfrm>
-            <a:off x="9849542" y="544034"/>
-            <a:ext cx="1765483" cy="646331"/>
+            <a:off x="10027604" y="544034"/>
+            <a:ext cx="1409360" cy="646331"/>
           </a:xfrm>
           <a:prstGeom prst="rect">
             <a:avLst/>
@@ -4440,7 +4549,7 @@
             <a:pPr algn="ctr"/>
             <a:r>
               <a:rPr lang="en-US" dirty="0"/>
-              <a:t>Spacing caused</a:t>
+              <a:t>Spacing and</a:t>
             </a:r>
           </a:p>
           <a:p>
@@ -4598,8 +4707,8 @@
         </p:nvSpPr>
         <p:spPr>
           <a:xfrm>
-            <a:off x="10284619" y="1806064"/>
-            <a:ext cx="1057405" cy="923330"/>
+            <a:off x="10185587" y="1806064"/>
+            <a:ext cx="1255472" cy="923330"/>
           </a:xfrm>
           <a:prstGeom prst="rect">
             <a:avLst/>
@@ -4615,7 +4724,7 @@
             <a:pPr algn="ctr"/>
             <a:r>
               <a:rPr lang="en-US" dirty="0"/>
-              <a:t>Spacing</a:t>
+              <a:t>2x Spacing</a:t>
             </a:r>
           </a:p>
           <a:p>
@@ -4689,6 +4798,202 @@
 </file>
 
 <file path=ppt/slides/slide5.xml><?xml version="1.0" encoding="utf-8"?>
+<p:sld xmlns:a="http://schemas.openxmlformats.org/drawingml/2006/main" xmlns:r="http://schemas.openxmlformats.org/officeDocument/2006/relationships" xmlns:p="http://schemas.openxmlformats.org/presentationml/2006/main">
+  <p:cSld>
+    <p:spTree>
+      <p:nvGrpSpPr>
+        <p:cNvPr id="1" name=""/>
+        <p:cNvGrpSpPr/>
+        <p:nvPr/>
+      </p:nvGrpSpPr>
+      <p:grpSpPr>
+        <a:xfrm>
+          <a:off x="0" y="0"/>
+          <a:ext cx="0" cy="0"/>
+          <a:chOff x="0" y="0"/>
+          <a:chExt cx="0" cy="0"/>
+        </a:xfrm>
+      </p:grpSpPr>
+      <p:pic>
+        <p:nvPicPr>
+          <p:cNvPr id="5" name="Imagem 4" descr="Gráfico&#10;&#10;Descrição gerada automaticamente">
+            <a:extLst>
+              <a:ext uri="{FF2B5EF4-FFF2-40B4-BE49-F238E27FC236}">
+                <a16:creationId xmlns:a16="http://schemas.microsoft.com/office/drawing/2014/main" id="{9F3EE8D2-1EBE-FA2E-84CB-0CFEDB69ABB1}"/>
+              </a:ext>
+            </a:extLst>
+          </p:cNvPr>
+          <p:cNvPicPr>
+            <a:picLocks noChangeAspect="1"/>
+          </p:cNvPicPr>
+          <p:nvPr/>
+        </p:nvPicPr>
+        <p:blipFill>
+          <a:blip r:embed="rId2"/>
+          <a:stretch>
+            <a:fillRect/>
+          </a:stretch>
+        </p:blipFill>
+        <p:spPr>
+          <a:xfrm>
+            <a:off x="303671" y="1385955"/>
+            <a:ext cx="11584658" cy="4565140"/>
+          </a:xfrm>
+          <a:prstGeom prst="rect">
+            <a:avLst/>
+          </a:prstGeom>
+        </p:spPr>
+      </p:pic>
+      <p:sp>
+        <p:nvSpPr>
+          <p:cNvPr id="7" name="CaixaDeTexto 6">
+            <a:extLst>
+              <a:ext uri="{FF2B5EF4-FFF2-40B4-BE49-F238E27FC236}">
+                <a16:creationId xmlns:a16="http://schemas.microsoft.com/office/drawing/2014/main" id="{7D6BBA8F-C1D5-8B2F-55B4-BC5730440945}"/>
+              </a:ext>
+            </a:extLst>
+          </p:cNvPr>
+          <p:cNvSpPr txBox="1"/>
+          <p:nvPr/>
+        </p:nvSpPr>
+        <p:spPr>
+          <a:xfrm>
+            <a:off x="3328063" y="185626"/>
+            <a:ext cx="5535874" cy="1200329"/>
+          </a:xfrm>
+          <a:prstGeom prst="rect">
+            <a:avLst/>
+          </a:prstGeom>
+          <a:noFill/>
+        </p:spPr>
+        <p:txBody>
+          <a:bodyPr wrap="none" rtlCol="0">
+            <a:spAutoFit/>
+          </a:bodyPr>
+          <a:lstStyle/>
+          <a:p>
+            <a:pPr algn="ctr"/>
+            <a:r>
+              <a:rPr lang="en-US" dirty="0"/>
+              <a:t>Spacing = 1 (2 sessions)</a:t>
+            </a:r>
+          </a:p>
+          <a:p>
+            <a:pPr algn="ctr"/>
+            <a:r>
+              <a:rPr lang="en-US" dirty="0"/>
+              <a:t>Interleaving = 3</a:t>
+            </a:r>
+          </a:p>
+          <a:p>
+            <a:pPr algn="ctr"/>
+            <a:endParaRPr lang="en-US" dirty="0"/>
+          </a:p>
+          <a:p>
+            <a:pPr algn="ctr"/>
+            <a:r>
+              <a:rPr lang="en-US" dirty="0"/>
+              <a:t>Interleaving &gt; Spacing =&gt; Interleaving inside a session </a:t>
+            </a:r>
+          </a:p>
+        </p:txBody>
+      </p:sp>
+      <p:cxnSp>
+        <p:nvCxnSpPr>
+          <p:cNvPr id="8" name="Conector de Seta Reta 7">
+            <a:extLst>
+              <a:ext uri="{FF2B5EF4-FFF2-40B4-BE49-F238E27FC236}">
+                <a16:creationId xmlns:a16="http://schemas.microsoft.com/office/drawing/2014/main" id="{1457DD7D-E217-232A-54D9-790AD034F2BE}"/>
+              </a:ext>
+            </a:extLst>
+          </p:cNvPr>
+          <p:cNvCxnSpPr>
+            <a:cxnSpLocks/>
+          </p:cNvCxnSpPr>
+          <p:nvPr/>
+        </p:nvCxnSpPr>
+        <p:spPr>
+          <a:xfrm flipH="1">
+            <a:off x="4660135" y="1385955"/>
+            <a:ext cx="1905918" cy="3031809"/>
+          </a:xfrm>
+          <a:prstGeom prst="straightConnector1">
+            <a:avLst/>
+          </a:prstGeom>
+          <a:ln>
+            <a:tailEnd type="triangle"/>
+          </a:ln>
+        </p:spPr>
+        <p:style>
+          <a:lnRef idx="2">
+            <a:schemeClr val="accent1"/>
+          </a:lnRef>
+          <a:fillRef idx="0">
+            <a:schemeClr val="accent1"/>
+          </a:fillRef>
+          <a:effectRef idx="1">
+            <a:schemeClr val="accent1"/>
+          </a:effectRef>
+          <a:fontRef idx="minor">
+            <a:schemeClr val="tx1"/>
+          </a:fontRef>
+        </p:style>
+      </p:cxnSp>
+      <p:cxnSp>
+        <p:nvCxnSpPr>
+          <p:cNvPr id="24" name="Conector de Seta Reta 23">
+            <a:extLst>
+              <a:ext uri="{FF2B5EF4-FFF2-40B4-BE49-F238E27FC236}">
+                <a16:creationId xmlns:a16="http://schemas.microsoft.com/office/drawing/2014/main" id="{2D2A3385-1B9F-A74A-3A27-7EAEF8B1772E}"/>
+              </a:ext>
+            </a:extLst>
+          </p:cNvPr>
+          <p:cNvCxnSpPr>
+            <a:cxnSpLocks/>
+          </p:cNvCxnSpPr>
+          <p:nvPr/>
+        </p:nvCxnSpPr>
+        <p:spPr>
+          <a:xfrm>
+            <a:off x="6560060" y="1385955"/>
+            <a:ext cx="1845810" cy="2370797"/>
+          </a:xfrm>
+          <a:prstGeom prst="straightConnector1">
+            <a:avLst/>
+          </a:prstGeom>
+          <a:ln>
+            <a:tailEnd type="triangle"/>
+          </a:ln>
+        </p:spPr>
+        <p:style>
+          <a:lnRef idx="2">
+            <a:schemeClr val="accent1"/>
+          </a:lnRef>
+          <a:fillRef idx="0">
+            <a:schemeClr val="accent1"/>
+          </a:fillRef>
+          <a:effectRef idx="1">
+            <a:schemeClr val="accent1"/>
+          </a:effectRef>
+          <a:fontRef idx="minor">
+            <a:schemeClr val="tx1"/>
+          </a:fontRef>
+        </p:style>
+      </p:cxnSp>
+    </p:spTree>
+    <p:extLst>
+      <p:ext uri="{BB962C8B-B14F-4D97-AF65-F5344CB8AC3E}">
+        <p14:creationId xmlns:p14="http://schemas.microsoft.com/office/powerpoint/2010/main" val="1283916886"/>
+      </p:ext>
+    </p:extLst>
+  </p:cSld>
+  <p:clrMapOvr>
+    <a:masterClrMapping/>
+  </p:clrMapOvr>
+</p:sld>
+</file>
+
+<file path=ppt/slides/slide6.xml><?xml version="1.0" encoding="utf-8"?>
 <p:sld xmlns:a="http://schemas.openxmlformats.org/drawingml/2006/main" xmlns:r="http://schemas.openxmlformats.org/officeDocument/2006/relationships" xmlns:p="http://schemas.openxmlformats.org/presentationml/2006/main">
   <p:cSld>
     <p:spTree>
